--- a/CEMD Data Analyst Performance Task.pptx
+++ b/CEMD Data Analyst Performance Task.pptx
@@ -888,11 +888,11 @@
             </a:pPr>
             <a:r>
               <a:rPr lang="en"/>
-              <a:t>The initial EDA and Analysis is execute in a </a:t>
-            </a:r>
-            <a:r>
-              <a:rPr lang="en"/>
-              <a:t>jupyter notebook for readability and transparency. The primary language used for the project is Python and some light markdown for ad hoc thoughts. The visual creating is also using Python for the heavy lifting. The purpose of the visual would be a conversion piece with the CAO. A place to discuss what views are useful, what other questions do these picture dredge up? These graphs are answers but what would we need to know to get here?</a:t>
+              <a:t>The initial EDA and Analysis is executed in a </a:t>
+            </a:r>
+            <a:r>
+              <a:rPr lang="en"/>
+              <a:t>jupyter notebook for readability and transparency. The primary language used for the project is Python and some light markdown for ad hoc thoughts. The visual created is also using Python for the heavy lifting. The purpose of the visual would be a conversation piece with the CAO. A place to discuss what views are useful, what other questions do these pictures dredge up? These graphs are answers but what would we need to know to get here?</a:t>
             </a:r>
             <a:endParaRPr/>
           </a:p>
@@ -1193,7 +1193,7 @@
                 <a:cs typeface="Roboto"/>
                 <a:sym typeface="Roboto"/>
               </a:rPr>
-              <a:t>As a result of the combined EDA and idiosyncrasies during the analysis the following validation checks were applied. In a full stack project these would have been brain stormed and completed in more thorough approach. The validation checks are split into checks that are present and checks needed for future consideration. For the future checks collaborating with the provided for the exams would be a necessary step. Ensuring the targets and such percentiles are consistent with nation data. Also there are null values for teachers and missing tests. It may be possible with more exploration to recover missing data points.</a:t>
+              <a:t>As a result of the combined EDA and idiosyncrasies during the analysis, the following validation checks were applied. In a full stack project these would have been brain stormed and completed in more thorough approach. The validation checks are split into checks that are present and checks needed for future consideration. For the future checks collaborating with the provided for the exams would be a necessary step. Ensuring the targets and such percentiles are consistent with nation data. Also there are null values for teachers and missing tests. It may be possible with more exploration to recover missing data points.</a:t>
             </a:r>
             <a:endParaRPr/>
           </a:p>
@@ -1328,7 +1328,7 @@
             </a:pPr>
             <a:r>
               <a:rPr lang="en"/>
-              <a:t>The table shown here is the correlation and p values for those comparisons. With such low correlation values and high p values the initial interpretation is that absenteeism cannot be shown to have a strong impact on fall to fall performance. The small sample size by grade could be a contributing factor but in current PDs I would not feel comfortable using this lever as one of action for test improvement.</a:t>
+              <a:t>The table shown here is the correlation and p values for those comparisons. With such low correlation values and high p values, the initial interpretation is that absenteeism cannot be shown to have a strong impact on fall to fall performance. The small sample size by grade could be a contributing factor, but in current PDs I would not feel comfortable using this lever as one of action for test improvement.</a:t>
             </a:r>
             <a:endParaRPr/>
           </a:p>
@@ -1463,7 +1463,7 @@
             </a:r>
             <a:r>
               <a:rPr lang="en"/>
-              <a:t>teachers being connected to students. First some students had multiple teachers for the same grade and subject in 2015. It was assumed the first teacher was their fall teacher for the test of record. This would be a question for our CAO, if there was a record of how much time students spent with each teacher. It would assist in correctly attaching student performance to their teachers. Also some teachers in lower grades taught both math and ela sections. A more through overview of if these student sections overlapped would be part of a larger project. To the extent of the question being asked. The answer is not obvious but some trends do present themselves. Grand bands appear to perform similarly by subject. There are some outliers in teacher success and these may be worth exploring to get a view of these teachers best practices. Teachers are only have their percentages calculate for students with non null ftf targets.</a:t>
+              <a:t>teachers being connected to students. First, some students had multiple teachers for the same grade and subject in 2015. It was assumed the first teacher was their fall teacher for the test of record. This would be a question for our CAO, if there was a record of how much time students spent with each teacher. It would assist in correctly attaching student performance to their teachers. Also some teachers in lower grades taught both math and ela sections. A more thorough overview of if these student sections overlapped would be part of a larger project. To the extent of the question being asked. The answer is not obvious but some trends do present themselves. Grand bands appear to perform similarly by subject. There are some outliers in teacher success, and these may be worth exploring to get a view of these teachers best practices. Teachers are only have their percentages calculate for students with non null ftf targets.</a:t>
             </a:r>
             <a:endParaRPr/>
           </a:p>
@@ -1613,11 +1613,11 @@
             </a:r>
             <a:r>
               <a:rPr lang="en"/>
-              <a:t>practices</a:t>
-            </a:r>
-            <a:r>
-              <a:rPr lang="en"/>
-              <a:t>. It is clear with the fall to fall metrics some students are having </a:t>
+              <a:t>practices, i</a:t>
+            </a:r>
+            <a:r>
+              <a:rPr lang="en"/>
+              <a:t>t is clear with the fall to fall metrics that some students are having </a:t>
             </a:r>
             <a:r>
               <a:rPr lang="en"/>
@@ -1835,7 +1835,7 @@
             </a:r>
             <a:r>
               <a:rPr lang="en"/>
-              <a:t>meaningful</a:t>
+              <a:t>meaningful,</a:t>
             </a:r>
             <a:r>
               <a:rPr lang="en"/>
@@ -1878,7 +1878,7 @@
             </a:pPr>
             <a:r>
               <a:rPr lang="en"/>
-              <a:t>There were some pretty serious inconsistencies in the data with this first pass. For example the duplicate rows in attendance. With attendance being such a critical role it is possible more </a:t>
+              <a:t>There were some pretty serious inconsistencies in the data with this first pass. For example, the duplicate rows in attendance. With attendance being such a critical role, it is possible more </a:t>
             </a:r>
             <a:r>
               <a:rPr lang="en"/>
@@ -8165,7 +8165,7 @@
             </a:pPr>
             <a:r>
               <a:rPr lang="en"/>
-              <a:t>All of the analysis can be found in the jupyter notebook at this github repo.</a:t>
+              <a:t>All of the analysis can be found in the jupyter notebook at this github repo:</a:t>
             </a:r>
             <a:endParaRPr/>
           </a:p>
@@ -8202,7 +8202,7 @@
             </a:pPr>
             <a:r>
               <a:rPr lang="en"/>
-              <a:t>A visual tool for exploring the data can be found here.</a:t>
+              <a:t>A visual tool for exploring the data can be found here:</a:t>
             </a:r>
             <a:endParaRPr/>
           </a:p>
